--- a/week04/文本分析與程式設計week4.pptx
+++ b/week04/文本分析與程式設計week4.pptx
@@ -308,7 +308,7 @@
       <p15:sldGuideLst xmlns:p15="http://schemas.microsoft.com/office/powerpoint/2012/main"/>
     </p:ext>
     <p:ext uri="http://customooxmlschemas.google.com/">
-      <go:slidesCustomData xmlns:go="http://customooxmlschemas.google.com/" xmlns:ahyp="http://schemas.microsoft.com/office/drawing/2018/hyperlinkcolor" xmlns:p15="http://schemas.microsoft.com/office/powerpoint/2012/main" xmlns:p14="http://schemas.microsoft.com/office/powerpoint/2010/main" xmlns:com="http://schemas.openxmlformats.org/drawingml/2006/compatibility" xmlns:pvml="urn:schemas-microsoft-com:office:powerpoint" xmlns:v="urn:schemas-microsoft-com:vml" xmlns:o="urn:schemas-microsoft-com:office:office" xmlns:dgm="http://schemas.openxmlformats.org/drawingml/2006/diagram" xmlns:c="http://schemas.openxmlformats.org/drawingml/2006/chart" xmlns:mv="urn:schemas-microsoft-com:mac:vml" xmlns:mc="http://schemas.openxmlformats.org/markup-compatibility/2006" xmlns="" r:id="rId66" roundtripDataSignature="AMtx7mjdcmhsf5qhXmMRw4mkjP7VT7/UtQ=="/>
+      <go:slidesCustomData xmlns="" xmlns:mc="http://schemas.openxmlformats.org/markup-compatibility/2006" xmlns:mv="urn:schemas-microsoft-com:mac:vml" xmlns:c="http://schemas.openxmlformats.org/drawingml/2006/chart" xmlns:dgm="http://schemas.openxmlformats.org/drawingml/2006/diagram" xmlns:o="urn:schemas-microsoft-com:office:office" xmlns:v="urn:schemas-microsoft-com:vml" xmlns:pvml="urn:schemas-microsoft-com:office:powerpoint" xmlns:com="http://schemas.openxmlformats.org/drawingml/2006/compatibility" xmlns:p14="http://schemas.microsoft.com/office/powerpoint/2010/main" xmlns:p15="http://schemas.microsoft.com/office/powerpoint/2012/main" xmlns:ahyp="http://schemas.microsoft.com/office/drawing/2018/hyperlinkcolor" xmlns:go="http://customooxmlschemas.google.com/" r:id="rId66" roundtripDataSignature="AMtx7mjdcmhsf5qhXmMRw4mkjP7VT7/UtQ=="/>
     </p:ext>
   </p:extLst>
 </p:presentation>
@@ -31287,7 +31287,7 @@
         <p:spPr/>
         <p:txBody>
           <a:bodyPr>
-            <a:normAutofit lnSpcReduction="10000"/>
+            <a:normAutofit fontScale="92500" lnSpcReduction="20000"/>
           </a:bodyPr>
           <a:lstStyle/>
           <a:p>
@@ -31355,6 +31355,18 @@
                 <a:hlinkClick r:id="rId3"/>
               </a:rPr>
               <a:t>https://www.ctwant.com/article/111388</a:t>
+            </a:r>
+            <a:r>
+              <a:rPr lang="en-US" altLang="zh-TW" dirty="0"/>
+              <a:t>(</a:t>
+            </a:r>
+            <a:r>
+              <a:rPr lang="zh-TW" altLang="en-US" dirty="0"/>
+              <a:t>有經過編輯</a:t>
+            </a:r>
+            <a:r>
+              <a:rPr lang="en-US" altLang="zh-TW"/>
+              <a:t>)</a:t>
             </a:r>
             <a:endParaRPr lang="en-US" altLang="zh-TW" dirty="0"/>
           </a:p>
